--- a/images/COMPAS_collaboration.pptx
+++ b/images/COMPAS_collaboration.pptx
@@ -270,7 +270,7 @@
           <a:p>
             <a:fld id="{93AF97EF-EF08-3442-A12E-9C3F4153B635}" type="datetimeFigureOut">
               <a:rPr lang="en-US" smtClean="0"/>
-              <a:t>4/23/23</a:t>
+              <a:t>4/25/23</a:t>
             </a:fld>
             <a:endParaRPr lang="en-US"/>
           </a:p>
@@ -468,7 +468,7 @@
           <a:p>
             <a:fld id="{93AF97EF-EF08-3442-A12E-9C3F4153B635}" type="datetimeFigureOut">
               <a:rPr lang="en-US" smtClean="0"/>
-              <a:t>4/23/23</a:t>
+              <a:t>4/25/23</a:t>
             </a:fld>
             <a:endParaRPr lang="en-US"/>
           </a:p>
@@ -676,7 +676,7 @@
           <a:p>
             <a:fld id="{93AF97EF-EF08-3442-A12E-9C3F4153B635}" type="datetimeFigureOut">
               <a:rPr lang="en-US" smtClean="0"/>
-              <a:t>4/23/23</a:t>
+              <a:t>4/25/23</a:t>
             </a:fld>
             <a:endParaRPr lang="en-US"/>
           </a:p>
@@ -874,7 +874,7 @@
           <a:p>
             <a:fld id="{93AF97EF-EF08-3442-A12E-9C3F4153B635}" type="datetimeFigureOut">
               <a:rPr lang="en-US" smtClean="0"/>
-              <a:t>4/23/23</a:t>
+              <a:t>4/25/23</a:t>
             </a:fld>
             <a:endParaRPr lang="en-US"/>
           </a:p>
@@ -1149,7 +1149,7 @@
           <a:p>
             <a:fld id="{93AF97EF-EF08-3442-A12E-9C3F4153B635}" type="datetimeFigureOut">
               <a:rPr lang="en-US" smtClean="0"/>
-              <a:t>4/23/23</a:t>
+              <a:t>4/25/23</a:t>
             </a:fld>
             <a:endParaRPr lang="en-US"/>
           </a:p>
@@ -1414,7 +1414,7 @@
           <a:p>
             <a:fld id="{93AF97EF-EF08-3442-A12E-9C3F4153B635}" type="datetimeFigureOut">
               <a:rPr lang="en-US" smtClean="0"/>
-              <a:t>4/23/23</a:t>
+              <a:t>4/25/23</a:t>
             </a:fld>
             <a:endParaRPr lang="en-US"/>
           </a:p>
@@ -1826,7 +1826,7 @@
           <a:p>
             <a:fld id="{93AF97EF-EF08-3442-A12E-9C3F4153B635}" type="datetimeFigureOut">
               <a:rPr lang="en-US" smtClean="0"/>
-              <a:t>4/23/23</a:t>
+              <a:t>4/25/23</a:t>
             </a:fld>
             <a:endParaRPr lang="en-US"/>
           </a:p>
@@ -1967,7 +1967,7 @@
           <a:p>
             <a:fld id="{93AF97EF-EF08-3442-A12E-9C3F4153B635}" type="datetimeFigureOut">
               <a:rPr lang="en-US" smtClean="0"/>
-              <a:t>4/23/23</a:t>
+              <a:t>4/25/23</a:t>
             </a:fld>
             <a:endParaRPr lang="en-US"/>
           </a:p>
@@ -2080,7 +2080,7 @@
           <a:p>
             <a:fld id="{93AF97EF-EF08-3442-A12E-9C3F4153B635}" type="datetimeFigureOut">
               <a:rPr lang="en-US" smtClean="0"/>
-              <a:t>4/23/23</a:t>
+              <a:t>4/25/23</a:t>
             </a:fld>
             <a:endParaRPr lang="en-US"/>
           </a:p>
@@ -2391,7 +2391,7 @@
           <a:p>
             <a:fld id="{93AF97EF-EF08-3442-A12E-9C3F4153B635}" type="datetimeFigureOut">
               <a:rPr lang="en-US" smtClean="0"/>
-              <a:t>4/23/23</a:t>
+              <a:t>4/25/23</a:t>
             </a:fld>
             <a:endParaRPr lang="en-US"/>
           </a:p>
@@ -2679,7 +2679,7 @@
           <a:p>
             <a:fld id="{93AF97EF-EF08-3442-A12E-9C3F4153B635}" type="datetimeFigureOut">
               <a:rPr lang="en-US" smtClean="0"/>
-              <a:t>4/23/23</a:t>
+              <a:t>4/25/23</a:t>
             </a:fld>
             <a:endParaRPr lang="en-US"/>
           </a:p>
@@ -2920,7 +2920,7 @@
           <a:p>
             <a:fld id="{93AF97EF-EF08-3442-A12E-9C3F4153B635}" type="datetimeFigureOut">
               <a:rPr lang="en-US" smtClean="0"/>
-              <a:t>4/23/23</a:t>
+              <a:t>4/25/23</a:t>
             </a:fld>
             <a:endParaRPr lang="en-US"/>
           </a:p>
@@ -5449,7 +5449,7 @@
             <a:pPr algn="ctr"/>
             <a:r>
               <a:rPr lang="en-US" sz="1400" dirty="0"/>
-              <a:t>Teagen Clarke</a:t>
+              <a:t>Teagan Clarke</a:t>
             </a:r>
           </a:p>
           <a:p>
@@ -6058,8 +6058,8 @@
         </p:nvSpPr>
         <p:spPr>
           <a:xfrm>
-            <a:off x="151749" y="3806960"/>
-            <a:ext cx="1664943" cy="523220"/>
+            <a:off x="143958" y="3806960"/>
+            <a:ext cx="1680525" cy="523220"/>
           </a:xfrm>
           <a:prstGeom prst="rect">
             <a:avLst/>
@@ -6087,13 +6087,8 @@
             <a:pPr algn="ctr"/>
             <a:r>
               <a:rPr lang="en-US" sz="1400" dirty="0"/>
-              <a:t>Isobel </a:t>
-            </a:r>
-            <a:r>
-              <a:rPr lang="en-US" sz="1400" dirty="0" err="1"/>
-              <a:t>Ramero-shaw</a:t>
-            </a:r>
-            <a:endParaRPr lang="en-US" sz="1400" dirty="0"/>
+              <a:t>Isobel Romero-Shaw</a:t>
+            </a:r>
           </a:p>
         </p:txBody>
       </p:sp>
@@ -6642,7 +6637,7 @@
             </a:r>
             <a:r>
               <a:rPr lang="en-US" sz="1400" dirty="0"/>
-              <a:t>, Fabian Howitt, Floris </a:t>
+              <a:t>, Fabian Gittins, George Howitt, Floris </a:t>
             </a:r>
             <a:r>
               <a:rPr lang="en-US" sz="1400" dirty="0" err="1"/>
